--- a/SP-HTML5 APIs.pptx
+++ b/SP-HTML5 APIs.pptx
@@ -27,10 +27,7 @@
     <p:sldId id="260" r:id="rId21"/>
     <p:sldId id="261" r:id="rId22"/>
     <p:sldId id="262" r:id="rId23"/>
-    <p:sldId id="263" r:id="rId24"/>
-    <p:sldId id="264" r:id="rId25"/>
-    <p:sldId id="265" r:id="rId26"/>
-    <p:sldId id="282" r:id="rId27"/>
+    <p:sldId id="265" r:id="rId24"/>
   </p:sldIdLst>
   <p:sldSz cx="9144000" cy="6858000" type="screen4x3"/>
   <p:notesSz cx="6858000" cy="9144000"/>
@@ -5879,301 +5876,6 @@
           <a:lstStyle/>
           <a:p>
             <a:r>
-              <a:rPr lang="en-US" dirty="0" err="1" smtClean="0"/>
-              <a:t>IndexedDB</a:t>
-            </a:r>
-            <a:endParaRPr lang="en-US" dirty="0"/>
-          </a:p>
-        </p:txBody>
-      </p:sp>
-      <p:sp>
-        <p:nvSpPr>
-          <p:cNvPr id="2" name="Content Placeholder 1"/>
-          <p:cNvSpPr>
-            <a:spLocks noGrp="1"/>
-          </p:cNvSpPr>
-          <p:nvPr>
-            <p:ph idx="1"/>
-          </p:nvPr>
-        </p:nvSpPr>
-        <p:spPr/>
-        <p:txBody>
-          <a:bodyPr>
-            <a:normAutofit lnSpcReduction="10000"/>
-          </a:bodyPr>
-          <a:lstStyle/>
-          <a:p>
-            <a:r>
-              <a:rPr lang="en-US" dirty="0" smtClean="0"/>
-              <a:t>Object Store</a:t>
-            </a:r>
-          </a:p>
-          <a:p>
-            <a:r>
-              <a:rPr lang="en-US" dirty="0" smtClean="0"/>
-              <a:t>Methods</a:t>
-            </a:r>
-          </a:p>
-          <a:p>
-            <a:pPr lvl="1"/>
-            <a:r>
-              <a:rPr lang="en-US" dirty="0" err="1" smtClean="0"/>
-              <a:t>createObjectStore</a:t>
-            </a:r>
-            <a:r>
-              <a:rPr lang="en-US" dirty="0" smtClean="0"/>
-              <a:t>(name, </a:t>
-            </a:r>
-            <a:r>
-              <a:rPr lang="en-US" dirty="0" err="1" smtClean="0"/>
-              <a:t>keyPath</a:t>
-            </a:r>
-            <a:r>
-              <a:rPr lang="en-US" dirty="0" smtClean="0"/>
-              <a:t>, </a:t>
-            </a:r>
-            <a:r>
-              <a:rPr lang="en-US" dirty="0" err="1" smtClean="0"/>
-              <a:t>autoIncrement</a:t>
-            </a:r>
-            <a:r>
-              <a:rPr lang="en-US" dirty="0" smtClean="0"/>
-              <a:t>)</a:t>
-            </a:r>
-          </a:p>
-          <a:p>
-            <a:pPr lvl="1"/>
-            <a:r>
-              <a:rPr lang="en-US" dirty="0" err="1" smtClean="0"/>
-              <a:t>objectStore</a:t>
-            </a:r>
-            <a:r>
-              <a:rPr lang="en-US" dirty="0" smtClean="0"/>
-              <a:t>(name)</a:t>
-            </a:r>
-          </a:p>
-          <a:p>
-            <a:pPr lvl="1"/>
-            <a:r>
-              <a:rPr lang="en-US" dirty="0" err="1" smtClean="0"/>
-              <a:t>deleteObjectStore</a:t>
-            </a:r>
-            <a:r>
-              <a:rPr lang="en-US" dirty="0" smtClean="0"/>
-              <a:t>(name)</a:t>
-            </a:r>
-          </a:p>
-          <a:p>
-            <a:r>
-              <a:rPr lang="en-US" dirty="0" smtClean="0"/>
-              <a:t>Indexes</a:t>
-            </a:r>
-          </a:p>
-          <a:p>
-            <a:pPr lvl="1"/>
-            <a:r>
-              <a:rPr lang="en-US" dirty="0" err="1" smtClean="0"/>
-              <a:t>createIndex</a:t>
-            </a:r>
-            <a:r>
-              <a:rPr lang="en-US" dirty="0" smtClean="0"/>
-              <a:t>(name, property, unique)</a:t>
-            </a:r>
-          </a:p>
-          <a:p>
-            <a:pPr lvl="1"/>
-            <a:r>
-              <a:rPr lang="en-US" dirty="0" smtClean="0"/>
-              <a:t>index(name)</a:t>
-            </a:r>
-          </a:p>
-          <a:p>
-            <a:pPr lvl="1"/>
-            <a:r>
-              <a:rPr lang="en-US" dirty="0" err="1" smtClean="0"/>
-              <a:t>deleteIndex</a:t>
-            </a:r>
-            <a:r>
-              <a:rPr lang="en-US" dirty="0" smtClean="0"/>
-              <a:t>(name)</a:t>
-            </a:r>
-            <a:endParaRPr lang="en-US" dirty="0"/>
-          </a:p>
-        </p:txBody>
-      </p:sp>
-    </p:spTree>
-  </p:cSld>
-  <p:clrMapOvr>
-    <a:masterClrMapping/>
-  </p:clrMapOvr>
-  <p:timing>
-    <p:tnLst>
-      <p:par>
-        <p:cTn id="1" dur="indefinite" restart="never" nodeType="tmRoot"/>
-      </p:par>
-    </p:tnLst>
-  </p:timing>
-</p:sld>
-</file>
-
-<file path=ppt/slides/slide24.xml><?xml version="1.0" encoding="utf-8"?>
-<p:sld xmlns:a="http://schemas.openxmlformats.org/drawingml/2006/main" xmlns:r="http://schemas.openxmlformats.org/officeDocument/2006/relationships" xmlns:p="http://schemas.openxmlformats.org/presentationml/2006/main">
-  <p:cSld>
-    <p:spTree>
-      <p:nvGrpSpPr>
-        <p:cNvPr id="1" name=""/>
-        <p:cNvGrpSpPr/>
-        <p:nvPr/>
-      </p:nvGrpSpPr>
-      <p:grpSpPr>
-        <a:xfrm>
-          <a:off x="0" y="0"/>
-          <a:ext cx="0" cy="0"/>
-          <a:chOff x="0" y="0"/>
-          <a:chExt cx="0" cy="0"/>
-        </a:xfrm>
-      </p:grpSpPr>
-      <p:sp>
-        <p:nvSpPr>
-          <p:cNvPr id="3" name="Title 2"/>
-          <p:cNvSpPr>
-            <a:spLocks noGrp="1"/>
-          </p:cNvSpPr>
-          <p:nvPr>
-            <p:ph type="title"/>
-          </p:nvPr>
-        </p:nvSpPr>
-        <p:spPr/>
-        <p:txBody>
-          <a:bodyPr/>
-          <a:lstStyle/>
-          <a:p>
-            <a:endParaRPr lang="en-US"/>
-          </a:p>
-        </p:txBody>
-      </p:sp>
-      <p:sp>
-        <p:nvSpPr>
-          <p:cNvPr id="2" name="Content Placeholder 1"/>
-          <p:cNvSpPr>
-            <a:spLocks noGrp="1"/>
-          </p:cNvSpPr>
-          <p:nvPr>
-            <p:ph idx="1"/>
-          </p:nvPr>
-        </p:nvSpPr>
-        <p:spPr/>
-        <p:txBody>
-          <a:bodyPr/>
-          <a:lstStyle/>
-          <a:p>
-            <a:r>
-              <a:rPr lang="en-US" dirty="0" smtClean="0"/>
-              <a:t>Transactions</a:t>
-            </a:r>
-          </a:p>
-          <a:p>
-            <a:pPr lvl="1"/>
-            <a:r>
-              <a:rPr lang="en-US" dirty="0" smtClean="0"/>
-              <a:t>READ_ONLY</a:t>
-            </a:r>
-          </a:p>
-          <a:p>
-            <a:pPr lvl="1"/>
-            <a:r>
-              <a:rPr lang="en-US" dirty="0" smtClean="0"/>
-              <a:t>READ_WRITE</a:t>
-            </a:r>
-          </a:p>
-          <a:p>
-            <a:r>
-              <a:rPr lang="en-US" dirty="0" smtClean="0"/>
-              <a:t>Object Store Methods</a:t>
-            </a:r>
-          </a:p>
-          <a:p>
-            <a:pPr lvl="1"/>
-            <a:r>
-              <a:rPr lang="en-US" dirty="0" smtClean="0"/>
-              <a:t>add(object)</a:t>
-            </a:r>
-          </a:p>
-          <a:p>
-            <a:pPr lvl="1"/>
-            <a:r>
-              <a:rPr lang="en-US" dirty="0" smtClean="0"/>
-              <a:t>put(object)</a:t>
-            </a:r>
-          </a:p>
-          <a:p>
-            <a:pPr lvl="1"/>
-            <a:r>
-              <a:rPr lang="en-US" dirty="0" smtClean="0"/>
-              <a:t>get(key)</a:t>
-            </a:r>
-          </a:p>
-          <a:p>
-            <a:pPr lvl="1"/>
-            <a:r>
-              <a:rPr lang="en-US" dirty="0" smtClean="0"/>
-              <a:t>delete(key)</a:t>
-            </a:r>
-          </a:p>
-          <a:p>
-            <a:pPr lvl="1"/>
-            <a:endParaRPr lang="en-US" dirty="0"/>
-          </a:p>
-        </p:txBody>
-      </p:sp>
-    </p:spTree>
-  </p:cSld>
-  <p:clrMapOvr>
-    <a:masterClrMapping/>
-  </p:clrMapOvr>
-  <p:timing>
-    <p:tnLst>
-      <p:par>
-        <p:cTn id="1" dur="indefinite" restart="never" nodeType="tmRoot"/>
-      </p:par>
-    </p:tnLst>
-  </p:timing>
-</p:sld>
-</file>
-
-<file path=ppt/slides/slide25.xml><?xml version="1.0" encoding="utf-8"?>
-<p:sld xmlns:a="http://schemas.openxmlformats.org/drawingml/2006/main" xmlns:r="http://schemas.openxmlformats.org/officeDocument/2006/relationships" xmlns:p="http://schemas.openxmlformats.org/presentationml/2006/main">
-  <p:cSld>
-    <p:spTree>
-      <p:nvGrpSpPr>
-        <p:cNvPr id="1" name=""/>
-        <p:cNvGrpSpPr/>
-        <p:nvPr/>
-      </p:nvGrpSpPr>
-      <p:grpSpPr>
-        <a:xfrm>
-          <a:off x="0" y="0"/>
-          <a:ext cx="0" cy="0"/>
-          <a:chOff x="0" y="0"/>
-          <a:chExt cx="0" cy="0"/>
-        </a:xfrm>
-      </p:grpSpPr>
-      <p:sp>
-        <p:nvSpPr>
-          <p:cNvPr id="3" name="Title 2"/>
-          <p:cNvSpPr>
-            <a:spLocks noGrp="1"/>
-          </p:cNvSpPr>
-          <p:nvPr>
-            <p:ph type="title"/>
-          </p:nvPr>
-        </p:nvSpPr>
-        <p:spPr/>
-        <p:txBody>
-          <a:bodyPr/>
-          <a:lstStyle/>
-          <a:p>
-            <a:r>
               <a:rPr lang="en-US" dirty="0" smtClean="0"/>
               <a:t>Canvas</a:t>
             </a:r>
@@ -6370,90 +6072,6 @@
           <a:p>
             <a:endParaRPr lang="en-US" dirty="0" smtClean="0"/>
           </a:p>
-          <a:p>
-            <a:endParaRPr lang="en-US" dirty="0"/>
-          </a:p>
-        </p:txBody>
-      </p:sp>
-    </p:spTree>
-  </p:cSld>
-  <p:clrMapOvr>
-    <a:masterClrMapping/>
-  </p:clrMapOvr>
-  <p:timing>
-    <p:tnLst>
-      <p:par>
-        <p:cTn id="1" dur="indefinite" restart="never" nodeType="tmRoot"/>
-      </p:par>
-    </p:tnLst>
-  </p:timing>
-</p:sld>
-</file>
-
-<file path=ppt/slides/slide26.xml><?xml version="1.0" encoding="utf-8"?>
-<p:sld xmlns:a="http://schemas.openxmlformats.org/drawingml/2006/main" xmlns:r="http://schemas.openxmlformats.org/officeDocument/2006/relationships" xmlns:p="http://schemas.openxmlformats.org/presentationml/2006/main">
-  <p:cSld>
-    <p:spTree>
-      <p:nvGrpSpPr>
-        <p:cNvPr id="1" name=""/>
-        <p:cNvGrpSpPr/>
-        <p:nvPr/>
-      </p:nvGrpSpPr>
-      <p:grpSpPr>
-        <a:xfrm>
-          <a:off x="0" y="0"/>
-          <a:ext cx="0" cy="0"/>
-          <a:chOff x="0" y="0"/>
-          <a:chExt cx="0" cy="0"/>
-        </a:xfrm>
-      </p:grpSpPr>
-      <p:sp>
-        <p:nvSpPr>
-          <p:cNvPr id="2" name="Title 1"/>
-          <p:cNvSpPr>
-            <a:spLocks noGrp="1"/>
-          </p:cNvSpPr>
-          <p:nvPr>
-            <p:ph type="title"/>
-          </p:nvPr>
-        </p:nvSpPr>
-        <p:spPr/>
-        <p:txBody>
-          <a:bodyPr/>
-          <a:lstStyle/>
-          <a:p>
-            <a:endParaRPr lang="en-US"/>
-          </a:p>
-        </p:txBody>
-      </p:sp>
-      <p:sp>
-        <p:nvSpPr>
-          <p:cNvPr id="3" name="Content Placeholder 2"/>
-          <p:cNvSpPr>
-            <a:spLocks noGrp="1"/>
-          </p:cNvSpPr>
-          <p:nvPr>
-            <p:ph idx="1"/>
-          </p:nvPr>
-        </p:nvSpPr>
-        <p:spPr/>
-        <p:style>
-          <a:lnRef idx="2">
-            <a:schemeClr val="dk1"/>
-          </a:lnRef>
-          <a:fillRef idx="1">
-            <a:schemeClr val="lt1"/>
-          </a:fillRef>
-          <a:effectRef idx="0">
-            <a:schemeClr val="dk1"/>
-          </a:effectRef>
-          <a:fontRef idx="minor">
-            <a:schemeClr val="dk1"/>
-          </a:fontRef>
-        </p:style>
-        <p:txBody>
-          <a:bodyPr/>
-          <a:lstStyle/>
           <a:p>
             <a:endParaRPr lang="en-US" dirty="0"/>
           </a:p>
